--- a/Slide Apresentação PI.pptx
+++ b/Slide Apresentação PI.pptx
@@ -172,7 +172,7 @@
 <file path=ppt/revisionInfo.xml><?xml version="1.0" encoding="utf-8"?>
 <p1510:revInfo xmlns:a="http://schemas.openxmlformats.org/drawingml/2006/main" xmlns:r="http://schemas.openxmlformats.org/officeDocument/2006/relationships" xmlns:p1510="http://schemas.microsoft.com/office/powerpoint/2015/10/main">
   <p1510:revLst>
-    <p1510:client id="{B0234B73-85C6-421F-8A97-D690203EFB81}" v="50" dt="2023-06-10T19:51:30.975"/>
+    <p1510:client id="{78AA9BAE-8FE5-44E1-AAA7-EF9AFA897AB5}" v="1" dt="2023-06-12T00:07:33.991"/>
   </p1510:revLst>
 </p1510:revInfo>
 </file>
@@ -1268,6 +1268,38 @@
       </pc:sldChg>
     </pc:docChg>
   </pc:docChgLst>
+  <pc:docChgLst>
+    <pc:chgData name="Luana Marques" userId="a8b0325fd9d16836" providerId="LiveId" clId="{78AA9BAE-8FE5-44E1-AAA7-EF9AFA897AB5}"/>
+    <pc:docChg chg="modSld">
+      <pc:chgData name="Luana Marques" userId="a8b0325fd9d16836" providerId="LiveId" clId="{78AA9BAE-8FE5-44E1-AAA7-EF9AFA897AB5}" dt="2023-06-12T00:07:34.878" v="2" actId="962"/>
+      <pc:docMkLst>
+        <pc:docMk/>
+      </pc:docMkLst>
+      <pc:sldChg chg="addSp delSp modSp mod">
+        <pc:chgData name="Luana Marques" userId="a8b0325fd9d16836" providerId="LiveId" clId="{78AA9BAE-8FE5-44E1-AAA7-EF9AFA897AB5}" dt="2023-06-12T00:07:34.878" v="2" actId="962"/>
+        <pc:sldMkLst>
+          <pc:docMk/>
+          <pc:sldMk cId="2971040159" sldId="298"/>
+        </pc:sldMkLst>
+        <pc:spChg chg="del">
+          <ac:chgData name="Luana Marques" userId="a8b0325fd9d16836" providerId="LiveId" clId="{78AA9BAE-8FE5-44E1-AAA7-EF9AFA897AB5}" dt="2023-06-12T00:07:33.991" v="0" actId="931"/>
+          <ac:spMkLst>
+            <pc:docMk/>
+            <pc:sldMk cId="2971040159" sldId="298"/>
+            <ac:spMk id="4" creationId="{69FA63D8-E036-F9DB-80B0-4916EEE705B2}"/>
+          </ac:spMkLst>
+        </pc:spChg>
+        <pc:picChg chg="add mod">
+          <ac:chgData name="Luana Marques" userId="a8b0325fd9d16836" providerId="LiveId" clId="{78AA9BAE-8FE5-44E1-AAA7-EF9AFA897AB5}" dt="2023-06-12T00:07:34.878" v="2" actId="962"/>
+          <ac:picMkLst>
+            <pc:docMk/>
+            <pc:sldMk cId="2971040159" sldId="298"/>
+            <ac:picMk id="5" creationId="{09E8AF59-4474-080E-1048-F115130C2758}"/>
+          </ac:picMkLst>
+        </pc:picChg>
+      </pc:sldChg>
+    </pc:docChg>
+  </pc:docChgLst>
 </pc:chgInfo>
 </file>
 
@@ -1367,7 +1399,7 @@
             <a:pPr rtl="0"/>
             <a:fld id="{E4354D8F-BA9C-4428-B203-D39F42A4C773}" type="datetime1">
               <a:rPr lang="pt-BR" smtClean="0"/>
-              <a:t>04/06/2023</a:t>
+              <a:t>11/06/2023</a:t>
             </a:fld>
             <a:endParaRPr lang="pt-BR"/>
           </a:p>
@@ -1549,7 +1581,7 @@
             <a:pPr rtl="0"/>
             <a:fld id="{285091EB-BBC7-4426-8F97-66255A624C9A}" type="datetime1">
               <a:rPr lang="pt-BR" noProof="0" smtClean="0"/>
-              <a:t>04/06/2023</a:t>
+              <a:t>11/06/2023</a:t>
             </a:fld>
             <a:endParaRPr lang="pt-BR" noProof="0"/>
           </a:p>
@@ -30471,24 +30503,31 @@
         </p:blipFill>
         <p:spPr/>
       </p:pic>
-      <p:sp>
-        <p:nvSpPr>
-          <p:cNvPr id="4" name="Espaço Reservado para Imagem 3">
-            <a:extLst>
-              <a:ext uri="{FF2B5EF4-FFF2-40B4-BE49-F238E27FC236}">
-                <a16:creationId xmlns:a16="http://schemas.microsoft.com/office/drawing/2014/main" id="{69FA63D8-E036-F9DB-80B0-4916EEE705B2}"/>
-              </a:ext>
-            </a:extLst>
-          </p:cNvPr>
-          <p:cNvSpPr>
-            <a:spLocks noGrp="1"/>
-          </p:cNvSpPr>
+      <p:pic>
+        <p:nvPicPr>
+          <p:cNvPr id="5" name="Espaço Reservado para Imagem 4" descr="Foto de uma pessoa olhando para a câmera&#10;&#10;Descrição gerada automaticamente">
+            <a:extLst>
+              <a:ext uri="{FF2B5EF4-FFF2-40B4-BE49-F238E27FC236}">
+                <a16:creationId xmlns:a16="http://schemas.microsoft.com/office/drawing/2014/main" id="{09E8AF59-4474-080E-1048-F115130C2758}"/>
+              </a:ext>
+            </a:extLst>
+          </p:cNvPr>
+          <p:cNvPicPr>
+            <a:picLocks noGrp="1" noChangeAspect="1"/>
+          </p:cNvPicPr>
           <p:nvPr>
             <p:ph type="pic" sz="quarter" idx="13"/>
           </p:nvPr>
-        </p:nvSpPr>
+        </p:nvPicPr>
+        <p:blipFill>
+          <a:blip r:embed="rId4"/>
+          <a:srcRect t="15441" b="15441"/>
+          <a:stretch>
+            <a:fillRect/>
+          </a:stretch>
+        </p:blipFill>
         <p:spPr/>
-      </p:sp>
+      </p:pic>
       <p:pic>
         <p:nvPicPr>
           <p:cNvPr id="15" name="Espaço Reservado para Imagem 14" descr="Homem em pé com camisa branca&#10;&#10;Descrição gerada automaticamente">
@@ -30506,7 +30545,7 @@
           </p:nvPr>
         </p:nvPicPr>
         <p:blipFill rotWithShape="1">
-          <a:blip r:embed="rId4"/>
+          <a:blip r:embed="rId5"/>
           <a:srcRect l="17705" t="13855" r="12176" b="21885"/>
           <a:stretch/>
         </p:blipFill>
@@ -30534,7 +30573,7 @@
           </p:nvPr>
         </p:nvPicPr>
         <p:blipFill>
-          <a:blip r:embed="rId5"/>
+          <a:blip r:embed="rId6"/>
           <a:srcRect t="16534" b="16534"/>
           <a:stretch>
             <a:fillRect/>

--- a/Slide Apresentação PI.pptx
+++ b/Slide Apresentação PI.pptx
@@ -5,10 +5,10 @@
     <p:sldMasterId id="2147483648" r:id="rId1"/>
   </p:sldMasterIdLst>
   <p:notesMasterIdLst>
-    <p:notesMasterId r:id="rId17"/>
+    <p:notesMasterId r:id="rId18"/>
   </p:notesMasterIdLst>
   <p:handoutMasterIdLst>
-    <p:handoutMasterId r:id="rId18"/>
+    <p:handoutMasterId r:id="rId19"/>
   </p:handoutMasterIdLst>
   <p:sldIdLst>
     <p:sldId id="257" r:id="rId2"/>
@@ -25,7 +25,8 @@
     <p:sldId id="273" r:id="rId13"/>
     <p:sldId id="286" r:id="rId14"/>
     <p:sldId id="306" r:id="rId15"/>
-    <p:sldId id="282" r:id="rId16"/>
+    <p:sldId id="307" r:id="rId16"/>
+    <p:sldId id="282" r:id="rId17"/>
   </p:sldIdLst>
   <p:sldSz cx="12192000" cy="6858000"/>
   <p:notesSz cx="6858000" cy="9144000"/>
@@ -143,6 +144,7 @@
             <p14:sldId id="273"/>
             <p14:sldId id="286"/>
             <p14:sldId id="306"/>
+            <p14:sldId id="307"/>
             <p14:sldId id="282"/>
           </p14:sldIdLst>
         </p14:section>
@@ -172,7 +174,7 @@
 <file path=ppt/revisionInfo.xml><?xml version="1.0" encoding="utf-8"?>
 <p1510:revInfo xmlns:a="http://schemas.openxmlformats.org/drawingml/2006/main" xmlns:r="http://schemas.openxmlformats.org/officeDocument/2006/relationships" xmlns:p1510="http://schemas.microsoft.com/office/powerpoint/2015/10/main">
   <p1510:revLst>
-    <p1510:client id="{78AA9BAE-8FE5-44E1-AAA7-EF9AFA897AB5}" v="1" dt="2023-06-12T00:07:33.991"/>
+    <p1510:client id="{78AA9BAE-8FE5-44E1-AAA7-EF9AFA897AB5}" v="2" dt="2023-06-12T21:55:37.590"/>
   </p1510:revLst>
 </p1510:revInfo>
 </file>
@@ -1270,8 +1272,8 @@
   </pc:docChgLst>
   <pc:docChgLst>
     <pc:chgData name="Luana Marques" userId="a8b0325fd9d16836" providerId="LiveId" clId="{78AA9BAE-8FE5-44E1-AAA7-EF9AFA897AB5}"/>
-    <pc:docChg chg="modSld">
-      <pc:chgData name="Luana Marques" userId="a8b0325fd9d16836" providerId="LiveId" clId="{78AA9BAE-8FE5-44E1-AAA7-EF9AFA897AB5}" dt="2023-06-12T00:07:34.878" v="2" actId="962"/>
+    <pc:docChg chg="custSel addSld modSld modSection">
+      <pc:chgData name="Luana Marques" userId="a8b0325fd9d16836" providerId="LiveId" clId="{78AA9BAE-8FE5-44E1-AAA7-EF9AFA897AB5}" dt="2023-06-12T21:56:28.236" v="21" actId="478"/>
       <pc:docMkLst>
         <pc:docMk/>
       </pc:docMkLst>
@@ -1297,6 +1299,52 @@
             <ac:picMk id="5" creationId="{09E8AF59-4474-080E-1048-F115130C2758}"/>
           </ac:picMkLst>
         </pc:picChg>
+      </pc:sldChg>
+      <pc:sldChg chg="addSp delSp modSp mod">
+        <pc:chgData name="Luana Marques" userId="a8b0325fd9d16836" providerId="LiveId" clId="{78AA9BAE-8FE5-44E1-AAA7-EF9AFA897AB5}" dt="2023-06-12T21:56:01.455" v="11" actId="14100"/>
+        <pc:sldMkLst>
+          <pc:docMk/>
+          <pc:sldMk cId="2589496187" sldId="306"/>
+        </pc:sldMkLst>
+        <pc:spChg chg="del">
+          <ac:chgData name="Luana Marques" userId="a8b0325fd9d16836" providerId="LiveId" clId="{78AA9BAE-8FE5-44E1-AAA7-EF9AFA897AB5}" dt="2023-06-12T21:55:37.590" v="3" actId="931"/>
+          <ac:spMkLst>
+            <pc:docMk/>
+            <pc:sldMk cId="2589496187" sldId="306"/>
+            <ac:spMk id="12" creationId="{EA7CC00B-9A22-106F-62D5-89E8658986B3}"/>
+          </ac:spMkLst>
+        </pc:spChg>
+        <pc:picChg chg="add mod modCrop">
+          <ac:chgData name="Luana Marques" userId="a8b0325fd9d16836" providerId="LiveId" clId="{78AA9BAE-8FE5-44E1-AAA7-EF9AFA897AB5}" dt="2023-06-12T21:56:01.455" v="11" actId="14100"/>
+          <ac:picMkLst>
+            <pc:docMk/>
+            <pc:sldMk cId="2589496187" sldId="306"/>
+            <ac:picMk id="4" creationId="{A614F612-2F5D-D22A-EC49-92FF5FA379CC}"/>
+          </ac:picMkLst>
+        </pc:picChg>
+      </pc:sldChg>
+      <pc:sldChg chg="delSp modSp new mod">
+        <pc:chgData name="Luana Marques" userId="a8b0325fd9d16836" providerId="LiveId" clId="{78AA9BAE-8FE5-44E1-AAA7-EF9AFA897AB5}" dt="2023-06-12T21:56:28.236" v="21" actId="478"/>
+        <pc:sldMkLst>
+          <pc:docMk/>
+          <pc:sldMk cId="3762630219" sldId="307"/>
+        </pc:sldMkLst>
+        <pc:spChg chg="mod">
+          <ac:chgData name="Luana Marques" userId="a8b0325fd9d16836" providerId="LiveId" clId="{78AA9BAE-8FE5-44E1-AAA7-EF9AFA897AB5}" dt="2023-06-12T21:56:21.864" v="20" actId="20577"/>
+          <ac:spMkLst>
+            <pc:docMk/>
+            <pc:sldMk cId="3762630219" sldId="307"/>
+            <ac:spMk id="2" creationId="{7EB0A829-684A-CC38-3E0E-91C132425CAF}"/>
+          </ac:spMkLst>
+        </pc:spChg>
+        <pc:spChg chg="del">
+          <ac:chgData name="Luana Marques" userId="a8b0325fd9d16836" providerId="LiveId" clId="{78AA9BAE-8FE5-44E1-AAA7-EF9AFA897AB5}" dt="2023-06-12T21:56:28.236" v="21" actId="478"/>
+          <ac:spMkLst>
+            <pc:docMk/>
+            <pc:sldMk cId="3762630219" sldId="307"/>
+            <ac:spMk id="3" creationId="{EF11B3C1-A929-EF2B-561D-10CD1CB81F0D}"/>
+          </ac:spMkLst>
+        </pc:spChg>
       </pc:sldChg>
     </pc:docChg>
   </pc:docChgLst>
@@ -1399,7 +1447,7 @@
             <a:pPr rtl="0"/>
             <a:fld id="{E4354D8F-BA9C-4428-B203-D39F42A4C773}" type="datetime1">
               <a:rPr lang="pt-BR" smtClean="0"/>
-              <a:t>11/06/2023</a:t>
+              <a:t>12/06/2023</a:t>
             </a:fld>
             <a:endParaRPr lang="pt-BR"/>
           </a:p>
@@ -1581,7 +1629,7 @@
             <a:pPr rtl="0"/>
             <a:fld id="{285091EB-BBC7-4426-8F97-66255A624C9A}" type="datetime1">
               <a:rPr lang="pt-BR" noProof="0" smtClean="0"/>
-              <a:t>11/06/2023</a:t>
+              <a:t>12/06/2023</a:t>
             </a:fld>
             <a:endParaRPr lang="pt-BR" noProof="0"/>
           </a:p>
@@ -2003,7 +2051,7 @@
             <a:pPr rtl="0"/>
             <a:fld id="{6DC51814-3B91-4036-94D2-3977634EE214}" type="slidenum">
               <a:rPr lang="pt-BR" smtClean="0"/>
-              <a:t>15</a:t>
+              <a:t>16</a:t>
             </a:fld>
             <a:endParaRPr lang="pt-BR"/>
           </a:p>
@@ -30018,29 +30066,34 @@
           </a:p>
         </p:txBody>
       </p:sp>
-      <p:sp>
-        <p:nvSpPr>
-          <p:cNvPr id="12" name="Espaço Reservado para Imagem 11">
-            <a:extLst>
-              <a:ext uri="{FF2B5EF4-FFF2-40B4-BE49-F238E27FC236}">
-                <a16:creationId xmlns:a16="http://schemas.microsoft.com/office/drawing/2014/main" id="{EA7CC00B-9A22-106F-62D5-89E8658986B3}"/>
-              </a:ext>
-            </a:extLst>
-          </p:cNvPr>
-          <p:cNvSpPr>
-            <a:spLocks noGrp="1"/>
-          </p:cNvSpPr>
+      <p:pic>
+        <p:nvPicPr>
+          <p:cNvPr id="4" name="Espaço Reservado para Imagem 3" descr="Diagrama&#10;&#10;Descrição gerada automaticamente">
+            <a:extLst>
+              <a:ext uri="{FF2B5EF4-FFF2-40B4-BE49-F238E27FC236}">
+                <a16:creationId xmlns:a16="http://schemas.microsoft.com/office/drawing/2014/main" id="{A614F612-2F5D-D22A-EC49-92FF5FA379CC}"/>
+              </a:ext>
+            </a:extLst>
+          </p:cNvPr>
+          <p:cNvPicPr>
+            <a:picLocks noGrp="1" noChangeAspect="1"/>
+          </p:cNvPicPr>
           <p:nvPr>
             <p:ph type="pic" sz="quarter" idx="10"/>
           </p:nvPr>
-        </p:nvSpPr>
-        <p:spPr>
-          <a:xfrm>
-            <a:off x="5016500" y="472280"/>
-            <a:ext cx="7175500" cy="5913439"/>
-          </a:xfrm>
-        </p:spPr>
-      </p:sp>
+        </p:nvPicPr>
+        <p:blipFill rotWithShape="1">
+          <a:blip r:embed="rId2"/>
+          <a:srcRect l="7472" t="7916" r="7757" b="6262"/>
+          <a:stretch/>
+        </p:blipFill>
+        <p:spPr>
+          <a:xfrm>
+            <a:off x="4906635" y="493643"/>
+            <a:ext cx="7204698" cy="6105940"/>
+          </a:xfrm>
+        </p:spPr>
+      </p:pic>
     </p:spTree>
     <p:extLst>
       <p:ext uri="{BB962C8B-B14F-4D97-AF65-F5344CB8AC3E}">
@@ -30055,6 +30108,94 @@
 </file>
 
 <file path=ppt/slides/slide15.xml><?xml version="1.0" encoding="utf-8"?>
+<p:sld xmlns:a="http://schemas.openxmlformats.org/drawingml/2006/main" xmlns:r="http://schemas.openxmlformats.org/officeDocument/2006/relationships" xmlns:p="http://schemas.openxmlformats.org/presentationml/2006/main">
+  <p:cSld>
+    <p:spTree>
+      <p:nvGrpSpPr>
+        <p:cNvPr id="1" name=""/>
+        <p:cNvGrpSpPr/>
+        <p:nvPr/>
+      </p:nvGrpSpPr>
+      <p:grpSpPr>
+        <a:xfrm>
+          <a:off x="0" y="0"/>
+          <a:ext cx="0" cy="0"/>
+          <a:chOff x="0" y="0"/>
+          <a:chExt cx="0" cy="0"/>
+        </a:xfrm>
+      </p:grpSpPr>
+      <p:sp>
+        <p:nvSpPr>
+          <p:cNvPr id="2" name="Título 1">
+            <a:extLst>
+              <a:ext uri="{FF2B5EF4-FFF2-40B4-BE49-F238E27FC236}">
+                <a16:creationId xmlns:a16="http://schemas.microsoft.com/office/drawing/2014/main" id="{7EB0A829-684A-CC38-3E0E-91C132425CAF}"/>
+              </a:ext>
+            </a:extLst>
+          </p:cNvPr>
+          <p:cNvSpPr>
+            <a:spLocks noGrp="1"/>
+          </p:cNvSpPr>
+          <p:nvPr>
+            <p:ph type="title"/>
+          </p:nvPr>
+        </p:nvSpPr>
+        <p:spPr/>
+        <p:txBody>
+          <a:bodyPr/>
+          <a:lstStyle/>
+          <a:p>
+            <a:r>
+              <a:rPr lang="pt-BR" dirty="0"/>
+              <a:t>LAYOUT</a:t>
+            </a:r>
+          </a:p>
+        </p:txBody>
+      </p:sp>
+      <p:sp>
+        <p:nvSpPr>
+          <p:cNvPr id="4" name="Espaço Reservado para Número de Slide 3">
+            <a:extLst>
+              <a:ext uri="{FF2B5EF4-FFF2-40B4-BE49-F238E27FC236}">
+                <a16:creationId xmlns:a16="http://schemas.microsoft.com/office/drawing/2014/main" id="{5AB11A89-8C8A-C227-A83A-47A791554E17}"/>
+              </a:ext>
+            </a:extLst>
+          </p:cNvPr>
+          <p:cNvSpPr>
+            <a:spLocks noGrp="1"/>
+          </p:cNvSpPr>
+          <p:nvPr>
+            <p:ph type="sldNum" sz="quarter" idx="12"/>
+          </p:nvPr>
+        </p:nvSpPr>
+        <p:spPr/>
+        <p:txBody>
+          <a:bodyPr/>
+          <a:lstStyle/>
+          <a:p>
+            <a:pPr rtl="0"/>
+            <a:fld id="{03DC2DEF-D2FE-4B45-ABA4-9F153FD1C98A}" type="slidenum">
+              <a:rPr lang="pt-BR" noProof="0" smtClean="0"/>
+              <a:t>15</a:t>
+            </a:fld>
+            <a:endParaRPr lang="pt-BR" noProof="0"/>
+          </a:p>
+        </p:txBody>
+      </p:sp>
+    </p:spTree>
+    <p:extLst>
+      <p:ext uri="{BB962C8B-B14F-4D97-AF65-F5344CB8AC3E}">
+        <p14:creationId xmlns:p14="http://schemas.microsoft.com/office/powerpoint/2010/main" val="3762630219"/>
+      </p:ext>
+    </p:extLst>
+  </p:cSld>
+  <p:clrMapOvr>
+    <a:masterClrMapping/>
+  </p:clrMapOvr>
+</p:sld>
+</file>
+
+<file path=ppt/slides/slide16.xml><?xml version="1.0" encoding="utf-8"?>
 <p:sld xmlns:a="http://schemas.openxmlformats.org/drawingml/2006/main" xmlns:r="http://schemas.openxmlformats.org/officeDocument/2006/relationships" xmlns:p="http://schemas.openxmlformats.org/presentationml/2006/main">
   <p:cSld>
     <p:spTree>
